--- a/PCcafe-food-order-App-client/제안서/readme.pptx
+++ b/PCcafe-food-order-App-client/제안서/readme.pptx
@@ -1,14 +1,15 @@
 
 <file path=ppt/presentation.xml><?xml version="1.0" encoding="utf-8"?>
-<p:presentation xmlns:a="http://schemas.openxmlformats.org/drawingml/2006/main" xmlns:r="http://schemas.openxmlformats.org/officeDocument/2006/relationships" xmlns:p="http://schemas.openxmlformats.org/presentationml/2006/main" saveSubsetFonts="1">
+<p:presentation xmlns:a="http://schemas.openxmlformats.org/drawingml/2006/main" xmlns:r="http://schemas.openxmlformats.org/officeDocument/2006/relationships" xmlns:p="http://schemas.openxmlformats.org/presentationml/2006/main" xmlns:p14="http://schemas.microsoft.com/office/powerpoint/2010/main" saveSubsetFonts="1">
   <p:sldMasterIdLst>
-    <p:sldMasterId id="2147483768" r:id="rId1"/>
+    <p:sldMasterId id="2147483804" r:id="rId13"/>
   </p:sldMasterIdLst>
   <p:sldIdLst>
-    <p:sldId id="256" r:id="rId2"/>
-    <p:sldId id="257" r:id="rId3"/>
-    <p:sldId id="258" r:id="rId4"/>
-    <p:sldId id="259" r:id="rId5"/>
+    <p:sldId id="256" r:id="rId15"/>
+    <p:sldId id="257" r:id="rId16"/>
+    <p:sldId id="258" r:id="rId17"/>
+    <p:sldId id="259" r:id="rId18"/>
+    <p:sldId id="260" r:id="rId19"/>
   </p:sldIdLst>
   <p:sldSz cx="12192000" cy="6858000"/>
   <p:notesSz cx="6858000" cy="9144000"/>
@@ -1208,7 +1209,7 @@
 </file>
 
 <file path=ppt/slideLayouts/slideLayout2.xml><?xml version="1.0" encoding="utf-8"?>
-<p:sldLayout xmlns:a="http://schemas.openxmlformats.org/drawingml/2006/main" xmlns:r="http://schemas.openxmlformats.org/officeDocument/2006/relationships" xmlns:p="http://schemas.openxmlformats.org/presentationml/2006/main" type="obj">
+<p:sldLayout xmlns:a="http://schemas.openxmlformats.org/drawingml/2006/main" xmlns:r="http://schemas.openxmlformats.org/officeDocument/2006/relationships" xmlns:p="http://schemas.openxmlformats.org/presentationml/2006/main" xmlns:p14="http://schemas.microsoft.com/office/powerpoint/2010/main" type="obj">
   <p:cSld name="제목 및 내용">
     <p:spTree>
       <p:nvGrpSpPr>
@@ -1629,7 +1630,7 @@
   </p:clrMapOvr>
   <mc:AlternateContent xmlns:mc="http://schemas.openxmlformats.org/markup-compatibility/2006">
     <mc:Choice xmlns:p14="http://schemas.microsoft.com/office/powerpoint/2010/main" Requires="p14">
-      <p:transition spd="slow" p14:dur="0"/>
+      <p:transition spd="slow" p14:dur="1000"/>
     </mc:Choice>
     <mc:Fallback>
       <p:transition spd="slow"/>
@@ -4568,7 +4569,7 @@
 </file>
 
 <file path=ppt/slideMasters/slideMaster1.xml><?xml version="1.0" encoding="utf-8"?>
-<p:sldMaster xmlns:a="http://schemas.openxmlformats.org/drawingml/2006/main" xmlns:r="http://schemas.openxmlformats.org/officeDocument/2006/relationships" xmlns:p="http://schemas.openxmlformats.org/presentationml/2006/main">
+<p:sldMaster xmlns:a="http://schemas.openxmlformats.org/drawingml/2006/main" xmlns:r="http://schemas.openxmlformats.org/officeDocument/2006/relationships" xmlns:p="http://schemas.openxmlformats.org/presentationml/2006/main" xmlns:p14="http://schemas.microsoft.com/office/powerpoint/2010/main">
   <p:cSld>
     <p:bg>
       <p:bgPr>
@@ -4987,26 +4988,33 @@
   </p:cSld>
   <p:clrMap bg1="lt1" tx1="dk1" bg2="lt2" tx2="dk2" accent1="accent1" accent2="accent2" accent3="accent3" accent4="accent4" accent5="accent5" accent6="accent6" hlink="hlink" folHlink="folHlink"/>
   <p:sldLayoutIdLst>
-    <p:sldLayoutId id="2147483757" r:id="rId1"/>
-    <p:sldLayoutId id="2147483758" r:id="rId2"/>
-    <p:sldLayoutId id="2147483759" r:id="rId3"/>
-    <p:sldLayoutId id="2147483760" r:id="rId4"/>
-    <p:sldLayoutId id="2147483761" r:id="rId5"/>
-    <p:sldLayoutId id="2147483762" r:id="rId6"/>
-    <p:sldLayoutId id="2147483763" r:id="rId7"/>
-    <p:sldLayoutId id="2147483764" r:id="rId8"/>
-    <p:sldLayoutId id="2147483765" r:id="rId9"/>
-    <p:sldLayoutId id="2147483766" r:id="rId10"/>
-    <p:sldLayoutId id="2147483767" r:id="rId11"/>
+    <p:sldLayoutId id="2147483793" r:id="rId1"/>
+    <p:sldLayoutId id="2147483794" r:id="rId2"/>
+    <p:sldLayoutId id="2147483795" r:id="rId3"/>
+    <p:sldLayoutId id="2147483796" r:id="rId4"/>
+    <p:sldLayoutId id="2147483797" r:id="rId5"/>
+    <p:sldLayoutId id="2147483798" r:id="rId6"/>
+    <p:sldLayoutId id="2147483799" r:id="rId7"/>
+    <p:sldLayoutId id="2147483800" r:id="rId8"/>
+    <p:sldLayoutId id="2147483801" r:id="rId9"/>
+    <p:sldLayoutId id="2147483802" r:id="rId10"/>
+    <p:sldLayoutId id="2147483803" r:id="rId11"/>
   </p:sldLayoutIdLst>
   <mc:AlternateContent xmlns:mc="http://schemas.openxmlformats.org/markup-compatibility/2006">
     <mc:Choice xmlns:p14="http://schemas.microsoft.com/office/powerpoint/2010/main" Requires="p14">
-      <p:transition spd="slow" p14:dur="0"/>
+      <p:transition spd="slow" p14:dur="1000"/>
     </mc:Choice>
     <mc:Fallback>
       <p:transition spd="slow"/>
     </mc:Fallback>
   </mc:AlternateContent>
+  <p:timing>
+    <p:tnLst>
+      <p:par>
+        <p:cTn id="1" dur="indefinite" restart="never" nodeType="tmRoot"/>
+      </p:par>
+    </p:tnLst>
+  </p:timing>
   <p:txStyles>
     <p:titleStyle>
       <a:lvl1pPr algn="ctr" marL="0" indent="0" defTabSz="914400" latinLnBrk="1">
@@ -5084,7 +5092,7 @@
 </file>
 
 <file path=ppt/slides/slide1.xml><?xml version="1.0" encoding="utf-8"?>
-<p:sld xmlns:a="http://schemas.openxmlformats.org/drawingml/2006/main" xmlns:r="http://schemas.openxmlformats.org/officeDocument/2006/relationships" xmlns:p="http://schemas.openxmlformats.org/presentationml/2006/main" show="1">
+<p:sld xmlns:a="http://schemas.openxmlformats.org/drawingml/2006/main" xmlns:r="http://schemas.openxmlformats.org/officeDocument/2006/relationships" xmlns:p="http://schemas.openxmlformats.org/presentationml/2006/main" xmlns:p14="http://schemas.microsoft.com/office/powerpoint/2010/main">
   <p:cSld>
     <p:spTree>
       <p:nvGrpSpPr>
@@ -5209,17 +5217,24 @@
   </p:clrMapOvr>
   <mc:AlternateContent xmlns:mc="http://schemas.openxmlformats.org/markup-compatibility/2006">
     <mc:Choice xmlns:p14="http://schemas.microsoft.com/office/powerpoint/2010/main" Requires="p14">
-      <p:transition spd="slow" p14:dur="0"/>
+      <p:transition spd="slow" p14:dur="1000"/>
     </mc:Choice>
     <mc:Fallback>
       <p:transition spd="slow"/>
     </mc:Fallback>
   </mc:AlternateContent>
+  <p:timing>
+    <p:tnLst>
+      <p:par>
+        <p:cTn id="1" dur="indefinite" restart="never" nodeType="tmRoot"/>
+      </p:par>
+    </p:tnLst>
+  </p:timing>
 </p:sld>
 </file>
 
 <file path=ppt/slides/slide2.xml><?xml version="1.0" encoding="utf-8"?>
-<p:sld xmlns:a="http://schemas.openxmlformats.org/drawingml/2006/main" xmlns:r="http://schemas.openxmlformats.org/officeDocument/2006/relationships" xmlns:p="http://schemas.openxmlformats.org/presentationml/2006/main" show="1">
+<p:sld xmlns:a="http://schemas.openxmlformats.org/drawingml/2006/main" xmlns:r="http://schemas.openxmlformats.org/officeDocument/2006/relationships" xmlns:p="http://schemas.openxmlformats.org/presentationml/2006/main" xmlns:p14="http://schemas.microsoft.com/office/powerpoint/2010/main">
   <p:cSld>
     <p:spTree>
       <p:nvGrpSpPr>
@@ -7448,17 +7463,24 @@
   </p:clrMapOvr>
   <mc:AlternateContent xmlns:mc="http://schemas.openxmlformats.org/markup-compatibility/2006">
     <mc:Choice xmlns:p14="http://schemas.microsoft.com/office/powerpoint/2010/main" Requires="p14">
-      <p:transition spd="slow" p14:dur="0"/>
+      <p:transition spd="slow" p14:dur="1000"/>
     </mc:Choice>
     <mc:Fallback>
       <p:transition spd="slow"/>
     </mc:Fallback>
   </mc:AlternateContent>
+  <p:timing>
+    <p:tnLst>
+      <p:par>
+        <p:cTn id="1" dur="indefinite" restart="never" nodeType="tmRoot"/>
+      </p:par>
+    </p:tnLst>
+  </p:timing>
 </p:sld>
 </file>
 
 <file path=ppt/slides/slide3.xml><?xml version="1.0" encoding="utf-8"?>
-<p:sld xmlns:a="http://schemas.openxmlformats.org/drawingml/2006/main" xmlns:r="http://schemas.openxmlformats.org/officeDocument/2006/relationships" xmlns:p="http://schemas.openxmlformats.org/presentationml/2006/main" show="1">
+<p:sld xmlns:a="http://schemas.openxmlformats.org/drawingml/2006/main" xmlns:r="http://schemas.openxmlformats.org/officeDocument/2006/relationships" xmlns:p="http://schemas.openxmlformats.org/presentationml/2006/main" xmlns:p14="http://schemas.microsoft.com/office/powerpoint/2010/main">
   <p:cSld>
     <p:spTree>
       <p:nvGrpSpPr>
@@ -7800,17 +7822,24 @@
   </p:clrMapOvr>
   <mc:AlternateContent xmlns:mc="http://schemas.openxmlformats.org/markup-compatibility/2006">
     <mc:Choice xmlns:p14="http://schemas.microsoft.com/office/powerpoint/2010/main" Requires="p14">
-      <p:transition spd="slow" p14:dur="0"/>
+      <p:transition spd="slow" p14:dur="1000"/>
     </mc:Choice>
     <mc:Fallback>
       <p:transition spd="slow"/>
     </mc:Fallback>
   </mc:AlternateContent>
+  <p:timing>
+    <p:tnLst>
+      <p:par>
+        <p:cTn id="1" dur="indefinite" restart="never" nodeType="tmRoot"/>
+      </p:par>
+    </p:tnLst>
+  </p:timing>
 </p:sld>
 </file>
 
 <file path=ppt/slides/slide4.xml><?xml version="1.0" encoding="utf-8"?>
-<p:sld xmlns:a="http://schemas.openxmlformats.org/drawingml/2006/main" xmlns:r="http://schemas.openxmlformats.org/officeDocument/2006/relationships" xmlns:p="http://schemas.openxmlformats.org/presentationml/2006/main" show="1">
+<p:sld xmlns:a="http://schemas.openxmlformats.org/drawingml/2006/main" xmlns:r="http://schemas.openxmlformats.org/officeDocument/2006/relationships" xmlns:p="http://schemas.openxmlformats.org/presentationml/2006/main" xmlns:p14="http://schemas.microsoft.com/office/powerpoint/2010/main">
   <p:cSld>
     <p:spTree>
       <p:nvGrpSpPr>
@@ -8085,12 +8114,933 @@
   </p:clrMapOvr>
   <mc:AlternateContent xmlns:mc="http://schemas.openxmlformats.org/markup-compatibility/2006">
     <mc:Choice xmlns:p14="http://schemas.microsoft.com/office/powerpoint/2010/main" Requires="p14">
-      <p:transition spd="slow" p14:dur="0"/>
+      <p:transition spd="slow" p14:dur="1000"/>
     </mc:Choice>
     <mc:Fallback>
       <p:transition spd="slow"/>
     </mc:Fallback>
   </mc:AlternateContent>
+  <p:timing>
+    <p:tnLst>
+      <p:par>
+        <p:cTn id="1" dur="indefinite" restart="never" nodeType="tmRoot"/>
+      </p:par>
+    </p:tnLst>
+  </p:timing>
+</p:sld>
+</file>
+
+<file path=ppt/slides/slide5.xml><?xml version="1.0" encoding="utf-8"?>
+<p:sld xmlns:a="http://schemas.openxmlformats.org/drawingml/2006/main" xmlns:r="http://schemas.openxmlformats.org/officeDocument/2006/relationships" xmlns:p="http://schemas.openxmlformats.org/presentationml/2006/main">
+  <p:cSld>
+    <p:spTree>
+      <p:nvGrpSpPr>
+        <p:cNvPr id="1" name=""/>
+        <p:cNvGrpSpPr/>
+        <p:nvPr/>
+      </p:nvGrpSpPr>
+      <p:grpSpPr>
+        <a:xfrm>
+          <a:off x="0" y="0"/>
+          <a:ext cx="0" cy="0"/>
+          <a:chOff x="0" y="0"/>
+          <a:chExt cx="0" cy="0"/>
+        </a:xfrm>
+      </p:grpSpPr>
+      <p:sp>
+        <p:nvSpPr>
+          <p:cNvPr id="2" name="텍스트 개체 틀 1"/>
+          <p:cNvSpPr txBox="1">
+            <a:spLocks/>
+          </p:cNvSpPr>
+          <p:nvPr>
+            <p:ph type="title"/>
+          </p:nvPr>
+        </p:nvSpPr>
+        <p:spPr>
+          <a:xfrm rot="0">
+            <a:off x="609600" y="274320"/>
+            <a:ext cx="10974070" cy="1144270"/>
+          </a:xfrm>
+          <a:prstGeom prst="rect"/>
+        </p:spPr>
+        <p:txBody>
+          <a:bodyPr wrap="square" lIns="91440" tIns="45720" rIns="91440" bIns="45720" vert="horz" anchor="ctr">
+            <a:normAutofit fontScale="100000" lnSpcReduction="0"/>
+          </a:bodyPr>
+          <a:lstStyle/>
+          <a:p>
+            <a:pPr marL="0" indent="0" algn="l" fontAlgn="auto" defTabSz="508000" eaLnBrk="0">
+              <a:lnSpc>
+                <a:spcPct val="100000"/>
+              </a:lnSpc>
+              <a:spcBef>
+                <a:spcPts val="0"/>
+              </a:spcBef>
+              <a:spcAft>
+                <a:spcPts val="0"/>
+              </a:spcAft>
+              <a:buFontTx/>
+              <a:buNone/>
+            </a:pPr>
+            <a:r>
+              <a:rPr lang="en-US" altLang="ko-KR" sz="5865" cap="none" dirty="0" smtClean="0" b="0" strike="noStrike">
+                <a:solidFill>
+                  <a:schemeClr val="tx1"/>
+                </a:solidFill>
+                <a:latin typeface="맑은 고딕" charset="0"/>
+                <a:ea typeface="맑은 고딕" charset="0"/>
+              </a:rPr>
+              <a:t>구매 버튼 생성 - 전</a:t>
+            </a:r>
+            <a:endParaRPr lang="ko-KR" altLang="en-US" sz="5865" cap="none" dirty="0" smtClean="0" b="0" strike="noStrike">
+              <a:solidFill>
+                <a:schemeClr val="tx1"/>
+              </a:solidFill>
+              <a:latin typeface="맑은 고딕" charset="0"/>
+              <a:ea typeface="맑은 고딕" charset="0"/>
+            </a:endParaRPr>
+          </a:p>
+        </p:txBody>
+      </p:sp>
+      <p:sp>
+        <p:nvSpPr>
+          <p:cNvPr id="3" name="도형 2"/>
+          <p:cNvSpPr>
+            <a:spLocks/>
+          </p:cNvSpPr>
+          <p:nvPr/>
+        </p:nvSpPr>
+        <p:spPr>
+          <a:xfrm rot="0">
+            <a:off x="290830" y="1654175"/>
+            <a:ext cx="11522710" cy="1106805"/>
+          </a:xfrm>
+          <a:prstGeom prst="rect"/>
+        </p:spPr>
+        <p:style>
+          <a:lnRef idx="2">
+            <a:schemeClr val="accent1">
+              <a:shade val="50000"/>
+            </a:schemeClr>
+          </a:lnRef>
+          <a:fillRef idx="1">
+            <a:schemeClr val="accent1"/>
+          </a:fillRef>
+          <a:effectRef idx="0">
+            <a:schemeClr val="accent1"/>
+          </a:effectRef>
+          <a:fontRef idx="minor">
+            <a:schemeClr val="lt1"/>
+          </a:fontRef>
+        </p:style>
+        <p:txBody>
+          <a:bodyPr wrap="square" lIns="91440" tIns="45720" rIns="91440" bIns="45720" vert="horz" anchor="ctr">
+            <a:noAutofit/>
+          </a:bodyPr>
+          <a:lstStyle/>
+          <a:p>
+            <a:pPr marL="0" indent="0" algn="ctr" fontAlgn="auto" defTabSz="508000">
+              <a:lnSpc>
+                <a:spcPct val="100000"/>
+              </a:lnSpc>
+              <a:spcBef>
+                <a:spcPts val="0"/>
+              </a:spcBef>
+              <a:spcAft>
+                <a:spcPts val="0"/>
+              </a:spcAft>
+              <a:buFontTx/>
+              <a:buNone/>
+            </a:pPr>
+            <a:r>
+              <a:rPr lang="en-US" altLang="ko-KR" sz="1800" cap="none" dirty="0" smtClean="0" b="0" strike="noStrike">
+                <a:latin typeface="맑은 고딕" charset="0"/>
+                <a:ea typeface="맑은 고딕" charset="0"/>
+              </a:rPr>
+              <a:t>지금은 이런느낌</a:t>
+            </a:r>
+            <a:endParaRPr lang="ko-KR" altLang="en-US" sz="1800" cap="none" dirty="0" smtClean="0" b="0" strike="noStrike">
+              <a:latin typeface="맑은 고딕" charset="0"/>
+              <a:ea typeface="맑은 고딕" charset="0"/>
+            </a:endParaRPr>
+          </a:p>
+        </p:txBody>
+      </p:sp>
+      <p:sp>
+        <p:nvSpPr>
+          <p:cNvPr id="4" name="도형 3"/>
+          <p:cNvSpPr>
+            <a:spLocks/>
+          </p:cNvSpPr>
+          <p:nvPr/>
+        </p:nvSpPr>
+        <p:spPr>
+          <a:xfrm rot="0">
+            <a:off x="105410" y="4494530"/>
+            <a:ext cx="3846830" cy="1978025"/>
+          </a:xfrm>
+          <a:prstGeom prst="rect"/>
+        </p:spPr>
+        <p:style>
+          <a:lnRef idx="2">
+            <a:schemeClr val="accent1">
+              <a:shade val="50000"/>
+            </a:schemeClr>
+          </a:lnRef>
+          <a:fillRef idx="1">
+            <a:schemeClr val="accent1"/>
+          </a:fillRef>
+          <a:effectRef idx="0">
+            <a:schemeClr val="accent1"/>
+          </a:effectRef>
+          <a:fontRef idx="minor">
+            <a:schemeClr val="lt1"/>
+          </a:fontRef>
+        </p:style>
+        <p:txBody>
+          <a:bodyPr wrap="square" lIns="91440" tIns="45720" rIns="91440" bIns="45720" vert="horz" anchor="ctr">
+            <a:noAutofit/>
+          </a:bodyPr>
+          <a:lstStyle/>
+          <a:p>
+            <a:pPr marL="0" indent="0" algn="ctr" fontAlgn="auto" defTabSz="508000">
+              <a:lnSpc>
+                <a:spcPct val="100000"/>
+              </a:lnSpc>
+              <a:spcBef>
+                <a:spcPts val="0"/>
+              </a:spcBef>
+              <a:spcAft>
+                <a:spcPts val="0"/>
+              </a:spcAft>
+              <a:buFontTx/>
+              <a:buNone/>
+            </a:pPr>
+            <a:endParaRPr lang="ko-KR" altLang="en-US" sz="1800" cap="none" dirty="0" smtClean="0" b="0" strike="noStrike">
+              <a:latin typeface="맑은 고딕" charset="0"/>
+              <a:ea typeface="맑은 고딕" charset="0"/>
+            </a:endParaRPr>
+          </a:p>
+        </p:txBody>
+      </p:sp>
+      <p:sp>
+        <p:nvSpPr>
+          <p:cNvPr id="7" name="도형 6"/>
+          <p:cNvSpPr>
+            <a:spLocks/>
+          </p:cNvSpPr>
+          <p:nvPr/>
+        </p:nvSpPr>
+        <p:spPr>
+          <a:xfrm rot="0">
+            <a:off x="196215" y="4646295"/>
+            <a:ext cx="2444115" cy="1671955"/>
+          </a:xfrm>
+          <a:prstGeom prst="roundRect"/>
+          <a:solidFill>
+            <a:srgbClr val="ED7D31"/>
+          </a:solidFill>
+        </p:spPr>
+        <p:style>
+          <a:lnRef idx="2">
+            <a:schemeClr val="accent1">
+              <a:shade val="50000"/>
+            </a:schemeClr>
+          </a:lnRef>
+          <a:fillRef idx="1">
+            <a:schemeClr val="accent1"/>
+          </a:fillRef>
+          <a:effectRef idx="0">
+            <a:schemeClr val="accent1"/>
+          </a:effectRef>
+          <a:fontRef idx="minor">
+            <a:schemeClr val="lt1"/>
+          </a:fontRef>
+        </p:style>
+        <p:txBody>
+          <a:bodyPr wrap="square" lIns="91440" tIns="45720" rIns="91440" bIns="45720" vert="horz" anchor="ctr">
+            <a:noAutofit/>
+          </a:bodyPr>
+          <a:lstStyle/>
+          <a:p>
+            <a:pPr marL="0" indent="0" algn="ctr" fontAlgn="auto" defTabSz="508000">
+              <a:lnSpc>
+                <a:spcPct val="100000"/>
+              </a:lnSpc>
+              <a:spcBef>
+                <a:spcPts val="0"/>
+              </a:spcBef>
+              <a:spcAft>
+                <a:spcPts val="0"/>
+              </a:spcAft>
+              <a:buFontTx/>
+              <a:buNone/>
+            </a:pPr>
+            <a:endParaRPr lang="ko-KR" altLang="en-US" sz="1800" cap="none" dirty="0" smtClean="0" b="0" strike="noStrike">
+              <a:latin typeface="맑은 고딕" charset="0"/>
+              <a:ea typeface="맑은 고딕" charset="0"/>
+            </a:endParaRPr>
+          </a:p>
+        </p:txBody>
+      </p:sp>
+      <p:sp>
+        <p:nvSpPr>
+          <p:cNvPr id="8" name="텍스트 상자 7"/>
+          <p:cNvSpPr txBox="1">
+            <a:spLocks/>
+          </p:cNvSpPr>
+          <p:nvPr/>
+        </p:nvSpPr>
+        <p:spPr>
+          <a:xfrm rot="0">
+            <a:off x="2862580" y="4740275"/>
+            <a:ext cx="841375" cy="1200785"/>
+          </a:xfrm>
+          <a:prstGeom prst="rect"/>
+          <a:noFill/>
+          <a:ln w="0">
+            <a:noFill/>
+            <a:prstDash/>
+          </a:ln>
+        </p:spPr>
+        <p:txBody>
+          <a:bodyPr wrap="square" lIns="89535" tIns="46355" rIns="89535" bIns="46355" vert="horz" anchor="t">
+            <a:noAutofit/>
+          </a:bodyPr>
+          <a:lstStyle/>
+          <a:p>
+            <a:pPr marL="0" indent="0" algn="l" fontAlgn="auto" defTabSz="508000">
+              <a:lnSpc>
+                <a:spcPct val="100000"/>
+              </a:lnSpc>
+              <a:spcBef>
+                <a:spcPts val="0"/>
+              </a:spcBef>
+              <a:spcAft>
+                <a:spcPts val="0"/>
+              </a:spcAft>
+              <a:buFontTx/>
+              <a:buNone/>
+            </a:pPr>
+            <a:r>
+              <a:rPr lang="en-US" altLang="ko-KR" sz="1800" cap="none" dirty="0" smtClean="0" b="0" strike="noStrike">
+                <a:latin typeface="맑은 고딕" charset="0"/>
+                <a:ea typeface="맑은 고딕" charset="0"/>
+              </a:rPr>
+              <a:t>ㅇㅇㅇㅇㅇㅇㅇㅇ</a:t>
+            </a:r>
+            <a:endParaRPr lang="ko-KR" altLang="en-US" sz="1800" cap="none" dirty="0" smtClean="0" b="0" strike="noStrike">
+              <a:latin typeface="맑은 고딕" charset="0"/>
+              <a:ea typeface="맑은 고딕" charset="0"/>
+            </a:endParaRPr>
+          </a:p>
+        </p:txBody>
+      </p:sp>
+      <p:sp>
+        <p:nvSpPr>
+          <p:cNvPr id="9" name="도형 8"/>
+          <p:cNvSpPr>
+            <a:spLocks/>
+          </p:cNvSpPr>
+          <p:nvPr/>
+        </p:nvSpPr>
+        <p:spPr>
+          <a:xfrm rot="0">
+            <a:off x="2716530" y="5941060"/>
+            <a:ext cx="1141095" cy="274955"/>
+          </a:xfrm>
+          <a:prstGeom prst="roundRect"/>
+          <a:solidFill>
+            <a:srgbClr val="FFFFFF"/>
+          </a:solidFill>
+        </p:spPr>
+        <p:style>
+          <a:lnRef idx="2">
+            <a:schemeClr val="accent1">
+              <a:shade val="50000"/>
+            </a:schemeClr>
+          </a:lnRef>
+          <a:fillRef idx="1">
+            <a:schemeClr val="accent1"/>
+          </a:fillRef>
+          <a:effectRef idx="0">
+            <a:schemeClr val="accent1"/>
+          </a:effectRef>
+          <a:fontRef idx="minor">
+            <a:schemeClr val="lt1"/>
+          </a:fontRef>
+        </p:style>
+        <p:txBody>
+          <a:bodyPr wrap="square" lIns="91440" tIns="45720" rIns="91440" bIns="45720" vert="horz" anchor="ctr">
+            <a:noAutofit/>
+          </a:bodyPr>
+          <a:lstStyle/>
+          <a:p>
+            <a:pPr marL="0" indent="0" algn="ctr" fontAlgn="auto" defTabSz="508000">
+              <a:lnSpc>
+                <a:spcPct val="100000"/>
+              </a:lnSpc>
+              <a:spcBef>
+                <a:spcPts val="0"/>
+              </a:spcBef>
+              <a:spcAft>
+                <a:spcPts val="0"/>
+              </a:spcAft>
+              <a:buFontTx/>
+              <a:buNone/>
+            </a:pPr>
+            <a:endParaRPr lang="ko-KR" altLang="en-US" sz="1800" cap="none" dirty="0" smtClean="0" b="0" strike="noStrike">
+              <a:latin typeface="맑은 고딕" charset="0"/>
+              <a:ea typeface="맑은 고딕" charset="0"/>
+            </a:endParaRPr>
+          </a:p>
+        </p:txBody>
+      </p:sp>
+      <p:sp>
+        <p:nvSpPr>
+          <p:cNvPr id="10" name="도형 9"/>
+          <p:cNvSpPr>
+            <a:spLocks/>
+          </p:cNvSpPr>
+          <p:nvPr/>
+        </p:nvSpPr>
+        <p:spPr>
+          <a:xfrm rot="0">
+            <a:off x="4163695" y="4497705"/>
+            <a:ext cx="3846830" cy="1978025"/>
+          </a:xfrm>
+          <a:prstGeom prst="rect"/>
+        </p:spPr>
+        <p:style>
+          <a:lnRef idx="2">
+            <a:schemeClr val="accent1">
+              <a:shade val="50000"/>
+            </a:schemeClr>
+          </a:lnRef>
+          <a:fillRef idx="1">
+            <a:schemeClr val="accent1"/>
+          </a:fillRef>
+          <a:effectRef idx="0">
+            <a:schemeClr val="accent1"/>
+          </a:effectRef>
+          <a:fontRef idx="minor">
+            <a:schemeClr val="lt1"/>
+          </a:fontRef>
+        </p:style>
+        <p:txBody>
+          <a:bodyPr wrap="square" lIns="91440" tIns="45720" rIns="91440" bIns="45720" vert="horz" anchor="ctr">
+            <a:noAutofit/>
+          </a:bodyPr>
+          <a:lstStyle/>
+          <a:p>
+            <a:pPr marL="0" indent="0" algn="ctr" fontAlgn="auto" defTabSz="508000">
+              <a:lnSpc>
+                <a:spcPct val="100000"/>
+              </a:lnSpc>
+              <a:spcBef>
+                <a:spcPts val="0"/>
+              </a:spcBef>
+              <a:spcAft>
+                <a:spcPts val="0"/>
+              </a:spcAft>
+              <a:buFontTx/>
+              <a:buNone/>
+            </a:pPr>
+            <a:endParaRPr lang="ko-KR" altLang="en-US" sz="1800" cap="none" dirty="0" smtClean="0" b="0" strike="noStrike">
+              <a:latin typeface="맑은 고딕" charset="0"/>
+              <a:ea typeface="맑은 고딕" charset="0"/>
+            </a:endParaRPr>
+          </a:p>
+        </p:txBody>
+      </p:sp>
+      <p:sp>
+        <p:nvSpPr>
+          <p:cNvPr id="11" name="도형 10"/>
+          <p:cNvSpPr>
+            <a:spLocks/>
+          </p:cNvSpPr>
+          <p:nvPr/>
+        </p:nvSpPr>
+        <p:spPr>
+          <a:xfrm rot="0">
+            <a:off x="4254500" y="4649470"/>
+            <a:ext cx="2444115" cy="1671955"/>
+          </a:xfrm>
+          <a:prstGeom prst="roundRect"/>
+          <a:solidFill>
+            <a:srgbClr val="ED7D31"/>
+          </a:solidFill>
+        </p:spPr>
+        <p:style>
+          <a:lnRef idx="2">
+            <a:schemeClr val="accent1">
+              <a:shade val="50000"/>
+            </a:schemeClr>
+          </a:lnRef>
+          <a:fillRef idx="1">
+            <a:schemeClr val="accent1"/>
+          </a:fillRef>
+          <a:effectRef idx="0">
+            <a:schemeClr val="accent1"/>
+          </a:effectRef>
+          <a:fontRef idx="minor">
+            <a:schemeClr val="lt1"/>
+          </a:fontRef>
+        </p:style>
+        <p:txBody>
+          <a:bodyPr wrap="square" lIns="91440" tIns="45720" rIns="91440" bIns="45720" vert="horz" anchor="ctr">
+            <a:noAutofit/>
+          </a:bodyPr>
+          <a:lstStyle/>
+          <a:p>
+            <a:pPr marL="0" indent="0" algn="ctr" fontAlgn="auto" defTabSz="508000">
+              <a:lnSpc>
+                <a:spcPct val="100000"/>
+              </a:lnSpc>
+              <a:spcBef>
+                <a:spcPts val="0"/>
+              </a:spcBef>
+              <a:spcAft>
+                <a:spcPts val="0"/>
+              </a:spcAft>
+              <a:buFontTx/>
+              <a:buNone/>
+            </a:pPr>
+            <a:endParaRPr lang="ko-KR" altLang="en-US" sz="1800" cap="none" dirty="0" smtClean="0" b="0" strike="noStrike">
+              <a:latin typeface="맑은 고딕" charset="0"/>
+              <a:ea typeface="맑은 고딕" charset="0"/>
+            </a:endParaRPr>
+          </a:p>
+        </p:txBody>
+      </p:sp>
+      <p:sp>
+        <p:nvSpPr>
+          <p:cNvPr id="12" name="텍스트 상자 11"/>
+          <p:cNvSpPr txBox="1">
+            <a:spLocks/>
+          </p:cNvSpPr>
+          <p:nvPr/>
+        </p:nvSpPr>
+        <p:spPr>
+          <a:xfrm rot="0">
+            <a:off x="6920865" y="4743450"/>
+            <a:ext cx="841375" cy="1200785"/>
+          </a:xfrm>
+          <a:prstGeom prst="rect"/>
+          <a:noFill/>
+          <a:ln w="0" cap="flat" cmpd="sng">
+            <a:solidFill>
+              <a:srgbClr val="FFFFFF">
+                <a:alpha val="100000"/>
+              </a:srgbClr>
+            </a:solidFill>
+            <a:prstDash/>
+          </a:ln>
+        </p:spPr>
+        <p:txBody>
+          <a:bodyPr wrap="square" lIns="89535" tIns="46355" rIns="89535" bIns="46355" vert="horz" anchor="t">
+            <a:noAutofit/>
+          </a:bodyPr>
+          <a:lstStyle/>
+          <a:p>
+            <a:pPr marL="0" indent="0" algn="l" fontAlgn="auto" defTabSz="508000">
+              <a:lnSpc>
+                <a:spcPct val="100000"/>
+              </a:lnSpc>
+              <a:spcBef>
+                <a:spcPts val="0"/>
+              </a:spcBef>
+              <a:spcAft>
+                <a:spcPts val="0"/>
+              </a:spcAft>
+              <a:buFontTx/>
+              <a:buNone/>
+            </a:pPr>
+            <a:r>
+              <a:rPr lang="en-US" altLang="ko-KR" sz="1800" cap="none" dirty="0" smtClean="0" b="0" strike="noStrike">
+                <a:latin typeface="맑은 고딕" charset="0"/>
+                <a:ea typeface="맑은 고딕" charset="0"/>
+              </a:rPr>
+              <a:t>ㅇㅇㅇㅇㅇㅇㅇㅇ</a:t>
+            </a:r>
+            <a:endParaRPr lang="ko-KR" altLang="en-US" sz="1800" cap="none" dirty="0" smtClean="0" b="0" strike="noStrike">
+              <a:latin typeface="맑은 고딕" charset="0"/>
+              <a:ea typeface="맑은 고딕" charset="0"/>
+            </a:endParaRPr>
+          </a:p>
+        </p:txBody>
+      </p:sp>
+      <p:sp>
+        <p:nvSpPr>
+          <p:cNvPr id="13" name="도형 12"/>
+          <p:cNvSpPr>
+            <a:spLocks/>
+          </p:cNvSpPr>
+          <p:nvPr/>
+        </p:nvSpPr>
+        <p:spPr>
+          <a:xfrm rot="0">
+            <a:off x="6774815" y="5944235"/>
+            <a:ext cx="1141095" cy="274955"/>
+          </a:xfrm>
+          <a:prstGeom prst="roundRect"/>
+          <a:solidFill>
+            <a:srgbClr val="FFFFFF"/>
+          </a:solidFill>
+        </p:spPr>
+        <p:style>
+          <a:lnRef idx="2">
+            <a:schemeClr val="accent1">
+              <a:shade val="50000"/>
+            </a:schemeClr>
+          </a:lnRef>
+          <a:fillRef idx="1">
+            <a:schemeClr val="accent1"/>
+          </a:fillRef>
+          <a:effectRef idx="0">
+            <a:schemeClr val="accent1"/>
+          </a:effectRef>
+          <a:fontRef idx="minor">
+            <a:schemeClr val="lt1"/>
+          </a:fontRef>
+        </p:style>
+        <p:txBody>
+          <a:bodyPr wrap="square" lIns="91440" tIns="45720" rIns="91440" bIns="45720" vert="horz" anchor="ctr">
+            <a:noAutofit/>
+          </a:bodyPr>
+          <a:lstStyle/>
+          <a:p>
+            <a:pPr marL="0" indent="0" algn="ctr" fontAlgn="auto" defTabSz="508000">
+              <a:lnSpc>
+                <a:spcPct val="100000"/>
+              </a:lnSpc>
+              <a:spcBef>
+                <a:spcPts val="0"/>
+              </a:spcBef>
+              <a:spcAft>
+                <a:spcPts val="0"/>
+              </a:spcAft>
+              <a:buFontTx/>
+              <a:buNone/>
+            </a:pPr>
+            <a:endParaRPr lang="ko-KR" altLang="en-US" sz="1800" cap="none" dirty="0" smtClean="0" b="0" strike="noStrike">
+              <a:latin typeface="맑은 고딕" charset="0"/>
+              <a:ea typeface="맑은 고딕" charset="0"/>
+            </a:endParaRPr>
+          </a:p>
+        </p:txBody>
+      </p:sp>
+      <p:sp>
+        <p:nvSpPr>
+          <p:cNvPr id="14" name="도형 13"/>
+          <p:cNvSpPr>
+            <a:spLocks/>
+          </p:cNvSpPr>
+          <p:nvPr/>
+        </p:nvSpPr>
+        <p:spPr>
+          <a:xfrm rot="0">
+            <a:off x="8072755" y="4488815"/>
+            <a:ext cx="3846830" cy="1978025"/>
+          </a:xfrm>
+          <a:prstGeom prst="rect"/>
+        </p:spPr>
+        <p:style>
+          <a:lnRef idx="2">
+            <a:schemeClr val="accent1">
+              <a:shade val="50000"/>
+            </a:schemeClr>
+          </a:lnRef>
+          <a:fillRef idx="1">
+            <a:schemeClr val="accent1"/>
+          </a:fillRef>
+          <a:effectRef idx="0">
+            <a:schemeClr val="accent1"/>
+          </a:effectRef>
+          <a:fontRef idx="minor">
+            <a:schemeClr val="lt1"/>
+          </a:fontRef>
+        </p:style>
+        <p:txBody>
+          <a:bodyPr wrap="square" lIns="91440" tIns="45720" rIns="91440" bIns="45720" vert="horz" anchor="ctr">
+            <a:noAutofit/>
+          </a:bodyPr>
+          <a:lstStyle/>
+          <a:p>
+            <a:pPr marL="0" indent="0" algn="ctr" fontAlgn="auto" defTabSz="508000">
+              <a:lnSpc>
+                <a:spcPct val="100000"/>
+              </a:lnSpc>
+              <a:spcBef>
+                <a:spcPts val="0"/>
+              </a:spcBef>
+              <a:spcAft>
+                <a:spcPts val="0"/>
+              </a:spcAft>
+              <a:buFontTx/>
+              <a:buNone/>
+            </a:pPr>
+            <a:endParaRPr lang="ko-KR" altLang="en-US" sz="1800" cap="none" dirty="0" smtClean="0" b="0" strike="noStrike">
+              <a:latin typeface="맑은 고딕" charset="0"/>
+              <a:ea typeface="맑은 고딕" charset="0"/>
+            </a:endParaRPr>
+          </a:p>
+        </p:txBody>
+      </p:sp>
+      <p:sp>
+        <p:nvSpPr>
+          <p:cNvPr id="15" name="도형 14"/>
+          <p:cNvSpPr>
+            <a:spLocks/>
+          </p:cNvSpPr>
+          <p:nvPr/>
+        </p:nvSpPr>
+        <p:spPr>
+          <a:xfrm rot="0">
+            <a:off x="8163560" y="4640580"/>
+            <a:ext cx="2444115" cy="1671955"/>
+          </a:xfrm>
+          <a:prstGeom prst="roundRect"/>
+          <a:solidFill>
+            <a:srgbClr val="ED7D31"/>
+          </a:solidFill>
+        </p:spPr>
+        <p:style>
+          <a:lnRef idx="2">
+            <a:schemeClr val="accent1">
+              <a:shade val="50000"/>
+            </a:schemeClr>
+          </a:lnRef>
+          <a:fillRef idx="1">
+            <a:schemeClr val="accent1"/>
+          </a:fillRef>
+          <a:effectRef idx="0">
+            <a:schemeClr val="accent1"/>
+          </a:effectRef>
+          <a:fontRef idx="minor">
+            <a:schemeClr val="lt1"/>
+          </a:fontRef>
+        </p:style>
+        <p:txBody>
+          <a:bodyPr wrap="square" lIns="91440" tIns="45720" rIns="91440" bIns="45720" vert="horz" anchor="ctr">
+            <a:noAutofit/>
+          </a:bodyPr>
+          <a:lstStyle/>
+          <a:p>
+            <a:pPr marL="0" indent="0" algn="ctr" fontAlgn="auto" defTabSz="508000">
+              <a:lnSpc>
+                <a:spcPct val="100000"/>
+              </a:lnSpc>
+              <a:spcBef>
+                <a:spcPts val="0"/>
+              </a:spcBef>
+              <a:spcAft>
+                <a:spcPts val="0"/>
+              </a:spcAft>
+              <a:buFontTx/>
+              <a:buNone/>
+            </a:pPr>
+            <a:endParaRPr lang="ko-KR" altLang="en-US" sz="1800" cap="none" dirty="0" smtClean="0" b="0" strike="noStrike">
+              <a:latin typeface="맑은 고딕" charset="0"/>
+              <a:ea typeface="맑은 고딕" charset="0"/>
+            </a:endParaRPr>
+          </a:p>
+        </p:txBody>
+      </p:sp>
+      <p:sp>
+        <p:nvSpPr>
+          <p:cNvPr id="16" name="텍스트 상자 15"/>
+          <p:cNvSpPr txBox="1">
+            <a:spLocks/>
+          </p:cNvSpPr>
+          <p:nvPr/>
+        </p:nvSpPr>
+        <p:spPr>
+          <a:xfrm rot="0">
+            <a:off x="10829925" y="4734560"/>
+            <a:ext cx="841375" cy="1200785"/>
+          </a:xfrm>
+          <a:prstGeom prst="rect"/>
+          <a:noFill/>
+          <a:ln w="0" cap="flat" cmpd="sng">
+            <a:solidFill>
+              <a:srgbClr val="FFFFFF">
+                <a:alpha val="100000"/>
+              </a:srgbClr>
+            </a:solidFill>
+            <a:prstDash/>
+          </a:ln>
+        </p:spPr>
+        <p:txBody>
+          <a:bodyPr wrap="square" lIns="89535" tIns="46355" rIns="89535" bIns="46355" vert="horz" anchor="t">
+            <a:noAutofit/>
+          </a:bodyPr>
+          <a:lstStyle/>
+          <a:p>
+            <a:pPr marL="0" indent="0" algn="l" fontAlgn="auto" defTabSz="508000">
+              <a:lnSpc>
+                <a:spcPct val="100000"/>
+              </a:lnSpc>
+              <a:spcBef>
+                <a:spcPts val="0"/>
+              </a:spcBef>
+              <a:spcAft>
+                <a:spcPts val="0"/>
+              </a:spcAft>
+              <a:buFontTx/>
+              <a:buNone/>
+            </a:pPr>
+            <a:r>
+              <a:rPr lang="en-US" altLang="ko-KR" sz="1800" cap="none" dirty="0" smtClean="0" b="0" strike="noStrike">
+                <a:latin typeface="맑은 고딕" charset="0"/>
+                <a:ea typeface="맑은 고딕" charset="0"/>
+              </a:rPr>
+              <a:t>ㅇㅇㅇㅇㅇㅇㅇㅇ</a:t>
+            </a:r>
+            <a:endParaRPr lang="ko-KR" altLang="en-US" sz="1800" cap="none" dirty="0" smtClean="0" b="0" strike="noStrike">
+              <a:latin typeface="맑은 고딕" charset="0"/>
+              <a:ea typeface="맑은 고딕" charset="0"/>
+            </a:endParaRPr>
+          </a:p>
+        </p:txBody>
+      </p:sp>
+      <p:sp>
+        <p:nvSpPr>
+          <p:cNvPr id="17" name="도형 16"/>
+          <p:cNvSpPr>
+            <a:spLocks/>
+          </p:cNvSpPr>
+          <p:nvPr/>
+        </p:nvSpPr>
+        <p:spPr>
+          <a:xfrm rot="0">
+            <a:off x="10683875" y="5935345"/>
+            <a:ext cx="1141095" cy="274955"/>
+          </a:xfrm>
+          <a:prstGeom prst="roundRect"/>
+          <a:solidFill>
+            <a:srgbClr val="FFFFFF"/>
+          </a:solidFill>
+        </p:spPr>
+        <p:style>
+          <a:lnRef idx="2">
+            <a:schemeClr val="accent1">
+              <a:shade val="50000"/>
+            </a:schemeClr>
+          </a:lnRef>
+          <a:fillRef idx="1">
+            <a:schemeClr val="accent1"/>
+          </a:fillRef>
+          <a:effectRef idx="0">
+            <a:schemeClr val="accent1"/>
+          </a:effectRef>
+          <a:fontRef idx="minor">
+            <a:schemeClr val="lt1"/>
+          </a:fontRef>
+        </p:style>
+        <p:txBody>
+          <a:bodyPr wrap="square" lIns="91440" tIns="45720" rIns="91440" bIns="45720" vert="horz" anchor="ctr">
+            <a:noAutofit/>
+          </a:bodyPr>
+          <a:lstStyle/>
+          <a:p>
+            <a:pPr marL="0" indent="0" algn="ctr" fontAlgn="auto" defTabSz="508000">
+              <a:lnSpc>
+                <a:spcPct val="100000"/>
+              </a:lnSpc>
+              <a:spcBef>
+                <a:spcPts val="0"/>
+              </a:spcBef>
+              <a:spcAft>
+                <a:spcPts val="0"/>
+              </a:spcAft>
+              <a:buFontTx/>
+              <a:buNone/>
+            </a:pPr>
+            <a:endParaRPr lang="ko-KR" altLang="en-US" sz="1800" cap="none" dirty="0" smtClean="0" b="0" strike="noStrike">
+              <a:latin typeface="맑은 고딕" charset="0"/>
+              <a:ea typeface="맑은 고딕" charset="0"/>
+            </a:endParaRPr>
+          </a:p>
+        </p:txBody>
+      </p:sp>
+      <p:sp>
+        <p:nvSpPr>
+          <p:cNvPr id="18" name="텍스트 개체 틀 17"/>
+          <p:cNvSpPr txBox="1">
+            <a:spLocks/>
+          </p:cNvSpPr>
+          <p:nvPr>
+            <p:ph type="title" idx="1"/>
+          </p:nvPr>
+        </p:nvSpPr>
+        <p:spPr>
+          <a:xfrm rot="0">
+            <a:off x="106680" y="3020695"/>
+            <a:ext cx="10974070" cy="1144270"/>
+          </a:xfrm>
+          <a:prstGeom prst="rect"/>
+        </p:spPr>
+        <p:txBody>
+          <a:bodyPr wrap="square" lIns="91440" tIns="45720" rIns="91440" bIns="45720" vert="horz" anchor="ctr">
+            <a:normAutofit fontScale="100000" lnSpcReduction="0"/>
+          </a:bodyPr>
+          <a:lstStyle/>
+          <a:p>
+            <a:pPr marL="0" indent="0" algn="l" fontAlgn="auto" defTabSz="508000" eaLnBrk="0">
+              <a:lnSpc>
+                <a:spcPct val="100000"/>
+              </a:lnSpc>
+              <a:spcBef>
+                <a:spcPts val="0"/>
+              </a:spcBef>
+              <a:spcAft>
+                <a:spcPts val="0"/>
+              </a:spcAft>
+              <a:buFontTx/>
+              <a:buNone/>
+            </a:pPr>
+            <a:r>
+              <a:rPr lang="en-US" altLang="ko-KR" sz="5865" cap="none" dirty="0" smtClean="0" b="0" strike="noStrike">
+                <a:solidFill>
+                  <a:schemeClr val="tx1"/>
+                </a:solidFill>
+                <a:latin typeface="맑은 고딕" charset="0"/>
+                <a:ea typeface="맑은 고딕" charset="0"/>
+              </a:rPr>
+              <a:t>구매 버튼 생성 - 후</a:t>
+            </a:r>
+            <a:endParaRPr lang="ko-KR" altLang="en-US" sz="5865" cap="none" dirty="0" smtClean="0" b="0" strike="noStrike">
+              <a:solidFill>
+                <a:schemeClr val="tx1"/>
+              </a:solidFill>
+              <a:latin typeface="맑은 고딕" charset="0"/>
+              <a:ea typeface="맑은 고딕" charset="0"/>
+            </a:endParaRPr>
+          </a:p>
+        </p:txBody>
+      </p:sp>
+    </p:spTree>
+  </p:cSld>
+  <p:clrMapOvr>
+    <a:masterClrMapping/>
+  </p:clrMapOvr>
+  <mc:AlternateContent xmlns:mc="http://schemas.openxmlformats.org/markup-compatibility/2006">
+    <mc:Choice xmlns:p14="http://schemas.microsoft.com/office/powerpoint/2010/main" Requires="p14">
+      <p:transition spd="slow" p14:dur="1000"/>
+    </mc:Choice>
+    <mc:Fallback>
+      <p:transition spd="slow"/>
+    </mc:Fallback>
+  </mc:AlternateContent>
+  <p:timing>
+    <p:tnLst>
+      <p:par>
+        <p:cTn id="1" dur="indefinite" restart="never" nodeType="tmRoot"/>
+      </p:par>
+    </p:tnLst>
+  </p:timing>
 </p:sld>
 </file>
 
